--- a/materials/slides/2.9 探索式软件测试—遍历测试法.pptx
+++ b/materials/slides/2.9 探索式软件测试—遍历测试法.pptx
@@ -210,7 +210,7 @@
           <a:p>
             <a:fld id="{EC82124A-F363-4BD3-8BA5-C8EDB8A4673E}" type="datetimeFigureOut">
               <a:rPr lang="zh-CN" altLang="en-US" smtClean="0"/>
-              <a:t>2019/8/25</a:t>
+              <a:t>2019/9/23</a:t>
             </a:fld>
             <a:endParaRPr lang="zh-CN" altLang="en-US"/>
           </a:p>
@@ -566,6 +566,90 @@
 </p:notes>
 </file>
 
+<file path=ppt/notesSlides/notesSlide2.xml><?xml version="1.0" encoding="utf-8"?>
+<p:notes xmlns:a="http://schemas.openxmlformats.org/drawingml/2006/main" xmlns:r="http://schemas.openxmlformats.org/officeDocument/2006/relationships" xmlns:p="http://schemas.openxmlformats.org/presentationml/2006/main">
+  <p:cSld>
+    <p:spTree>
+      <p:nvGrpSpPr>
+        <p:cNvPr id="1" name=""/>
+        <p:cNvGrpSpPr/>
+        <p:nvPr/>
+      </p:nvGrpSpPr>
+      <p:grpSpPr>
+        <a:xfrm>
+          <a:off x="0" y="0"/>
+          <a:ext cx="0" cy="0"/>
+          <a:chOff x="0" y="0"/>
+          <a:chExt cx="0" cy="0"/>
+        </a:xfrm>
+      </p:grpSpPr>
+      <p:sp>
+        <p:nvSpPr>
+          <p:cNvPr id="2" name="幻灯片图像占位符 1"/>
+          <p:cNvSpPr>
+            <a:spLocks noGrp="1" noRot="1" noChangeAspect="1"/>
+          </p:cNvSpPr>
+          <p:nvPr>
+            <p:ph type="sldImg"/>
+          </p:nvPr>
+        </p:nvSpPr>
+        <p:spPr/>
+      </p:sp>
+      <p:sp>
+        <p:nvSpPr>
+          <p:cNvPr id="3" name="备注占位符 2"/>
+          <p:cNvSpPr>
+            <a:spLocks noGrp="1"/>
+          </p:cNvSpPr>
+          <p:nvPr>
+            <p:ph type="body" idx="1"/>
+          </p:nvPr>
+        </p:nvSpPr>
+        <p:spPr/>
+        <p:txBody>
+          <a:bodyPr/>
+          <a:lstStyle/>
+          <a:p>
+            <a:endParaRPr lang="zh-CN" altLang="en-US" dirty="0"/>
+          </a:p>
+        </p:txBody>
+      </p:sp>
+      <p:sp>
+        <p:nvSpPr>
+          <p:cNvPr id="4" name="灯片编号占位符 3"/>
+          <p:cNvSpPr>
+            <a:spLocks noGrp="1"/>
+          </p:cNvSpPr>
+          <p:nvPr>
+            <p:ph type="sldNum" sz="quarter" idx="10"/>
+          </p:nvPr>
+        </p:nvSpPr>
+        <p:spPr/>
+        <p:txBody>
+          <a:bodyPr/>
+          <a:lstStyle/>
+          <a:p>
+            <a:fld id="{8D7ACA88-C620-47A1-A6D3-F68F6DD6FEE9}" type="slidenum">
+              <a:rPr lang="zh-CN" altLang="en-US" smtClean="0"/>
+              <a:t>7</a:t>
+            </a:fld>
+            <a:endParaRPr lang="zh-CN" altLang="en-US"/>
+          </a:p>
+        </p:txBody>
+      </p:sp>
+    </p:spTree>
+    <p:extLst>
+      <p:ext uri="{BB962C8B-B14F-4D97-AF65-F5344CB8AC3E}">
+        <p14:creationId xmlns:p14="http://schemas.microsoft.com/office/powerpoint/2010/main" val="4200730251"/>
+      </p:ext>
+    </p:extLst>
+  </p:cSld>
+  <p:clrMapOvr>
+    <a:masterClrMapping/>
+  </p:clrMapOvr>
+</p:notes>
+</file>
+
 <file path=ppt/slideLayouts/slideLayout1.xml><?xml version="1.0" encoding="utf-8"?>
 <p:sldLayout xmlns:a="http://schemas.openxmlformats.org/drawingml/2006/main" xmlns:r="http://schemas.openxmlformats.org/officeDocument/2006/relationships" xmlns:p="http://schemas.openxmlformats.org/presentationml/2006/main" type="title" preserve="1">
   <p:cSld name="标题幻灯片">
@@ -701,7 +785,7 @@
           <a:p>
             <a:fld id="{C04CF4A6-17F9-4CD5-BCB8-44B65F331829}" type="datetimeFigureOut">
               <a:rPr lang="zh-CN" altLang="en-US" smtClean="0"/>
-              <a:t>2019/8/25</a:t>
+              <a:t>2019/9/23</a:t>
             </a:fld>
             <a:endParaRPr lang="zh-CN" altLang="en-US"/>
           </a:p>
@@ -993,7 +1077,7 @@
           <a:p>
             <a:fld id="{C04CF4A6-17F9-4CD5-BCB8-44B65F331829}" type="datetimeFigureOut">
               <a:rPr lang="zh-CN" altLang="en-US" smtClean="0"/>
-              <a:t>2019/8/25</a:t>
+              <a:t>2019/9/23</a:t>
             </a:fld>
             <a:endParaRPr lang="zh-CN" altLang="en-US"/>
           </a:p>
@@ -1163,7 +1247,7 @@
           <a:p>
             <a:fld id="{C04CF4A6-17F9-4CD5-BCB8-44B65F331829}" type="datetimeFigureOut">
               <a:rPr lang="zh-CN" altLang="en-US" smtClean="0"/>
-              <a:t>2019/8/25</a:t>
+              <a:t>2019/9/23</a:t>
             </a:fld>
             <a:endParaRPr lang="zh-CN" altLang="en-US"/>
           </a:p>
@@ -1343,7 +1427,7 @@
           <a:p>
             <a:fld id="{C04CF4A6-17F9-4CD5-BCB8-44B65F331829}" type="datetimeFigureOut">
               <a:rPr lang="zh-CN" altLang="en-US" smtClean="0"/>
-              <a:t>2019/8/25</a:t>
+              <a:t>2019/9/23</a:t>
             </a:fld>
             <a:endParaRPr lang="zh-CN" altLang="en-US"/>
           </a:p>
@@ -1567,7 +1651,7 @@
           <a:p>
             <a:fld id="{C04CF4A6-17F9-4CD5-BCB8-44B65F331829}" type="datetimeFigureOut">
               <a:rPr lang="zh-CN" altLang="en-US" smtClean="0"/>
-              <a:t>2019/8/25</a:t>
+              <a:t>2019/9/23</a:t>
             </a:fld>
             <a:endParaRPr lang="zh-CN" altLang="en-US"/>
           </a:p>
@@ -1864,7 +1948,7 @@
           <a:p>
             <a:fld id="{C04CF4A6-17F9-4CD5-BCB8-44B65F331829}" type="datetimeFigureOut">
               <a:rPr lang="zh-CN" altLang="en-US" smtClean="0"/>
-              <a:t>2019/8/25</a:t>
+              <a:t>2019/9/23</a:t>
             </a:fld>
             <a:endParaRPr lang="zh-CN" altLang="en-US"/>
           </a:p>
@@ -2183,7 +2267,7 @@
           <a:p>
             <a:fld id="{C04CF4A6-17F9-4CD5-BCB8-44B65F331829}" type="datetimeFigureOut">
               <a:rPr lang="zh-CN" altLang="en-US" smtClean="0"/>
-              <a:t>2019/8/25</a:t>
+              <a:t>2019/9/23</a:t>
             </a:fld>
             <a:endParaRPr lang="zh-CN" altLang="en-US"/>
           </a:p>
@@ -2415,7 +2499,7 @@
           <a:p>
             <a:fld id="{C04CF4A6-17F9-4CD5-BCB8-44B65F331829}" type="datetimeFigureOut">
               <a:rPr lang="zh-CN" altLang="en-US" smtClean="0"/>
-              <a:t>2019/8/25</a:t>
+              <a:t>2019/9/23</a:t>
             </a:fld>
             <a:endParaRPr lang="zh-CN" altLang="en-US"/>
           </a:p>
@@ -2782,7 +2866,7 @@
           <a:p>
             <a:fld id="{C04CF4A6-17F9-4CD5-BCB8-44B65F331829}" type="datetimeFigureOut">
               <a:rPr lang="zh-CN" altLang="en-US" smtClean="0"/>
-              <a:t>2019/8/25</a:t>
+              <a:t>2019/9/23</a:t>
             </a:fld>
             <a:endParaRPr lang="zh-CN" altLang="en-US"/>
           </a:p>
@@ -2900,7 +2984,7 @@
           <a:p>
             <a:fld id="{C04CF4A6-17F9-4CD5-BCB8-44B65F331829}" type="datetimeFigureOut">
               <a:rPr lang="zh-CN" altLang="en-US" smtClean="0"/>
-              <a:t>2019/8/25</a:t>
+              <a:t>2019/9/23</a:t>
             </a:fld>
             <a:endParaRPr lang="zh-CN" altLang="en-US"/>
           </a:p>
@@ -2995,7 +3079,7 @@
           <a:p>
             <a:fld id="{C04CF4A6-17F9-4CD5-BCB8-44B65F331829}" type="datetimeFigureOut">
               <a:rPr lang="zh-CN" altLang="en-US" smtClean="0"/>
-              <a:t>2019/8/25</a:t>
+              <a:t>2019/9/23</a:t>
             </a:fld>
             <a:endParaRPr lang="zh-CN" altLang="en-US"/>
           </a:p>
@@ -3272,7 +3356,7 @@
           <a:p>
             <a:fld id="{C04CF4A6-17F9-4CD5-BCB8-44B65F331829}" type="datetimeFigureOut">
               <a:rPr lang="zh-CN" altLang="en-US" smtClean="0"/>
-              <a:t>2019/8/25</a:t>
+              <a:t>2019/9/23</a:t>
             </a:fld>
             <a:endParaRPr lang="zh-CN" altLang="en-US"/>
           </a:p>
@@ -3485,7 +3569,7 @@
           <a:p>
             <a:fld id="{C04CF4A6-17F9-4CD5-BCB8-44B65F331829}" type="datetimeFigureOut">
               <a:rPr lang="zh-CN" altLang="en-US" smtClean="0"/>
-              <a:t>2019/8/25</a:t>
+              <a:t>2019/9/23</a:t>
             </a:fld>
             <a:endParaRPr lang="zh-CN" altLang="en-US"/>
           </a:p>
@@ -5399,7 +5483,19 @@
             </a:pPr>
             <a:r>
               <a:rPr lang="zh-CN" altLang="en-US" dirty="0" smtClean="0"/>
-              <a:t>使用可以发现的最短路径来访问包含的所有对象</a:t>
+              <a:t>使用可以发现的</a:t>
+            </a:r>
+            <a:r>
+              <a:rPr lang="zh-CN" altLang="en-US" dirty="0" smtClean="0">
+                <a:solidFill>
+                  <a:srgbClr val="FF0000"/>
+                </a:solidFill>
+              </a:rPr>
+              <a:t>最短路径</a:t>
+            </a:r>
+            <a:r>
+              <a:rPr lang="zh-CN" altLang="en-US" dirty="0" smtClean="0"/>
+              <a:t>来访问包含的所有对象</a:t>
             </a:r>
             <a:endParaRPr lang="zh-CN" altLang="en-US" dirty="0"/>
           </a:p>
@@ -5944,9 +6040,33 @@
           <a:p>
             <a:r>
               <a:rPr lang="zh-CN" altLang="en-US" dirty="0" smtClean="0"/>
-              <a:t>测试人员有系统地测试和识别其他可能忽视的功能</a:t>
-            </a:r>
-            <a:endParaRPr lang="en-US" altLang="zh-CN" dirty="0" smtClean="0"/>
+              <a:t>测试人员</a:t>
+            </a:r>
+            <a:r>
+              <a:rPr lang="zh-CN" altLang="en-US" dirty="0" smtClean="0">
+                <a:solidFill>
+                  <a:srgbClr val="FF0000"/>
+                </a:solidFill>
+              </a:rPr>
+              <a:t>有系统地测试</a:t>
+            </a:r>
+            <a:r>
+              <a:rPr lang="zh-CN" altLang="en-US" dirty="0" smtClean="0"/>
+              <a:t>和</a:t>
+            </a:r>
+            <a:r>
+              <a:rPr lang="zh-CN" altLang="en-US" dirty="0" smtClean="0">
+                <a:solidFill>
+                  <a:srgbClr val="FF0000"/>
+                </a:solidFill>
+              </a:rPr>
+              <a:t>识别其他可能忽视的功能</a:t>
+            </a:r>
+            <a:endParaRPr lang="en-US" altLang="zh-CN" dirty="0" smtClean="0">
+              <a:solidFill>
+                <a:srgbClr val="FF0000"/>
+              </a:solidFill>
+            </a:endParaRPr>
           </a:p>
           <a:p>
             <a:pPr lvl="1"/>
